--- a/SAP-on-Azure-Workshop-multi-day-/Presentations/SAPSilentInstall.pptx
+++ b/SAP-on-Azure-Workshop-multi-day-/Presentations/SAPSilentInstall.pptx
@@ -212,7 +212,7 @@
           <a:p>
             <a:fld id="{37395F86-80A5-4507-967A-69DBBBCE5D26}" type="datetimeFigureOut">
               <a:rPr lang="en-US" smtClean="0"/>
-              <a:t>6/6/2016</a:t>
+              <a:t>6/7/2016</a:t>
             </a:fld>
             <a:endParaRPr lang="en-US"/>
           </a:p>
@@ -1587,7 +1587,7 @@
           <a:graphicData uri="http://schemas.openxmlformats.org/presentationml/2006/ole">
             <mc:AlternateContent xmlns:mc="http://schemas.openxmlformats.org/markup-compatibility/2006">
               <mc:Choice xmlns:v="urn:schemas-microsoft-com:vml" Requires="v">
-                <p:oleObj spid="_x0000_s1055" name="think-cell Slide" r:id="rId8" imgW="270" imgH="270" progId="TCLayout.ActiveDocument.1">
+                <p:oleObj spid="_x0000_s1058" name="think-cell Slide" r:id="rId8" imgW="270" imgH="270" progId="TCLayout.ActiveDocument.1">
                   <p:embed/>
                 </p:oleObj>
               </mc:Choice>
@@ -5732,7 +5732,7 @@
               <a:buChar char="•"/>
             </a:pPr>
             <a:r>
-              <a:rPr lang="en-US" sz="3200">
+              <a:rPr lang="en-US" sz="3200" dirty="0">
                 <a:gradFill>
                   <a:gsLst>
                     <a:gs pos="2917">
@@ -5760,7 +5760,7 @@
               <a:buChar char="•"/>
             </a:pPr>
             <a:r>
-              <a:rPr lang="en-US" sz="3200">
+              <a:rPr lang="en-US" sz="3200" dirty="0">
                 <a:gradFill>
                   <a:gsLst>
                     <a:gs pos="2917">
@@ -5788,7 +5788,7 @@
               <a:buChar char="•"/>
             </a:pPr>
             <a:r>
-              <a:rPr lang="en-US" sz="3200">
+              <a:rPr lang="en-US" sz="3200" dirty="0">
                 <a:gradFill>
                   <a:gsLst>
                     <a:gs pos="2917">
@@ -5801,7 +5801,7 @@
                   <a:lin ang="5400000" scaled="0"/>
                 </a:gradFill>
               </a:rPr>
-              <a:t>Setup process and key elements</a:t>
+              <a:t>The setup process and key elements</a:t>
             </a:r>
           </a:p>
           <a:p>
@@ -5816,7 +5816,7 @@
               <a:buChar char="•"/>
             </a:pPr>
             <a:r>
-              <a:rPr lang="en-US" sz="3200">
+              <a:rPr lang="en-US" sz="3200" dirty="0">
                 <a:gradFill>
                   <a:gsLst>
                     <a:gs pos="2917">
@@ -5844,7 +5844,7 @@
               <a:buChar char="•"/>
             </a:pPr>
             <a:r>
-              <a:rPr lang="en-US" sz="3200">
+              <a:rPr lang="en-US" sz="3200" dirty="0">
                 <a:gradFill>
                   <a:gsLst>
                     <a:gs pos="2917">
@@ -5872,7 +5872,7 @@
               <a:buChar char="•"/>
             </a:pPr>
             <a:r>
-              <a:rPr lang="en-US" sz="3200">
+              <a:rPr lang="en-US" sz="3200" dirty="0">
                 <a:gradFill>
                   <a:gsLst>
                     <a:gs pos="2917">
@@ -5900,7 +5900,7 @@
               <a:buChar char="•"/>
             </a:pPr>
             <a:r>
-              <a:rPr lang="en-US" sz="3200">
+              <a:rPr lang="en-US" sz="3200" dirty="0">
                 <a:gradFill>
                   <a:gsLst>
                     <a:gs pos="2917">
@@ -5928,7 +5928,7 @@
               <a:buChar char="•"/>
             </a:pPr>
             <a:r>
-              <a:rPr lang="en-US" sz="3200">
+              <a:rPr lang="en-US" sz="3200" dirty="0">
                 <a:gradFill>
                   <a:gsLst>
                     <a:gs pos="2917">
@@ -6037,7 +6037,7 @@
         <p:spPr>
           <a:xfrm>
             <a:off x="268288" y="1398397"/>
-            <a:ext cx="11542503" cy="5016758"/>
+            <a:ext cx="11542503" cy="4443991"/>
           </a:xfrm>
         </p:spPr>
         <p:txBody>
@@ -6045,7 +6045,7 @@
           <a:lstStyle/>
           <a:p>
             <a:r>
-              <a:rPr lang="en-US"/>
+              <a:rPr lang="en-US" dirty="0"/>
               <a:t>A successful interactive installation on a separate VM to:</a:t>
             </a:r>
           </a:p>
@@ -6055,7 +6055,7 @@
               <a:buChar char="§"/>
             </a:pPr>
             <a:r>
-              <a:rPr lang="en-US"/>
+              <a:rPr lang="en-US" dirty="0"/>
               <a:t>Validate all installation media</a:t>
             </a:r>
           </a:p>
@@ -6065,7 +6065,7 @@
               <a:buChar char="§"/>
             </a:pPr>
             <a:r>
-              <a:rPr lang="en-US"/>
+              <a:rPr lang="en-US" dirty="0"/>
               <a:t>Install all necessary OS or DB patches/hot fixes</a:t>
             </a:r>
           </a:p>
@@ -6075,8 +6075,16 @@
               <a:buChar char="§"/>
             </a:pPr>
             <a:r>
-              <a:rPr lang="en-US"/>
-              <a:t>Set pagefile to required size</a:t>
+              <a:rPr lang="en-US" dirty="0"/>
+              <a:t>Set </a:t>
+            </a:r>
+            <a:r>
+              <a:rPr lang="en-US" dirty="0" err="1"/>
+              <a:t>pagefile</a:t>
+            </a:r>
+            <a:r>
+              <a:rPr lang="en-US" dirty="0"/>
+              <a:t> to required size</a:t>
             </a:r>
           </a:p>
           <a:p>
@@ -6085,8 +6093,8 @@
               <a:buChar char="§"/>
             </a:pPr>
             <a:r>
-              <a:rPr lang="en-US"/>
-              <a:t>The target VM should be prestine for the silent install</a:t>
+              <a:rPr lang="en-US" dirty="0"/>
+              <a:t>The target VM should be pristine for the silent install</a:t>
             </a:r>
           </a:p>
           <a:p>
@@ -6094,10 +6102,10 @@
               <a:buFont typeface="Wingdings" panose="05000000000000000000" pitchFamily="2" charset="2"/>
               <a:buChar char="§"/>
             </a:pPr>
-            <a:endParaRPr lang="en-US"/>
-          </a:p>
-          <a:p>
-            <a:endParaRPr lang="en-US"/>
+            <a:endParaRPr lang="en-US" dirty="0"/>
+          </a:p>
+          <a:p>
+            <a:endParaRPr lang="en-US" dirty="0"/>
           </a:p>
         </p:txBody>
       </p:sp>
@@ -6839,7 +6847,7 @@
         <p:spPr>
           <a:xfrm>
             <a:off x="268928" y="1190767"/>
-            <a:ext cx="11542503" cy="5607689"/>
+            <a:ext cx="11542503" cy="5539978"/>
           </a:xfrm>
         </p:spPr>
         <p:txBody>
@@ -6848,7 +6856,15 @@
           <a:p>
             <a:r>
               <a:rPr lang="en-US" sz="3600" dirty="0"/>
-              <a:t>Set PATH variable to include the Software Deployment Manager (SWPM) so the </a:t>
+              <a:t>Set PATH variable to include the </a:t>
+            </a:r>
+            <a:r>
+              <a:rPr lang="en-US" sz="3600"/>
+              <a:t>Software Provisioning </a:t>
+            </a:r>
+            <a:r>
+              <a:rPr lang="en-US" sz="3600" dirty="0"/>
+              <a:t>Manager (SWPM) so the </a:t>
             </a:r>
             <a:r>
               <a:rPr lang="en-US" sz="3600" dirty="0" err="1"/>
